--- a/ppt 16-9/0508.愿我同胞全归耶.pptx
+++ b/ppt 16-9/0508.愿我同胞全归耶.pptx
@@ -5,7 +5,7 @@
     <p:sldMasterId id="2147483648" r:id="rId1"/>
   </p:sldMasterIdLst>
   <p:sldIdLst>
-    <p:sldId id="3330" r:id="rId2"/>
+    <p:sldId id="3331" r:id="rId2"/>
   </p:sldIdLst>
   <p:sldSz cx="12192000" cy="6858000"/>
   <p:notesSz cx="6858000" cy="9144000"/>
@@ -129,7 +129,7 @@
           <p:cNvPr id="2" name="标题 1">
             <a:extLst>
               <a:ext uri="{FF2B5EF4-FFF2-40B4-BE49-F238E27FC236}">
-                <a16:creationId xmlns:a16="http://schemas.microsoft.com/office/drawing/2014/main" id="{132ED9AD-A179-B562-035D-075991B08C44}"/>
+                <a16:creationId xmlns:a16="http://schemas.microsoft.com/office/drawing/2014/main" id="{83BC1E69-CA3A-D6FD-107F-62F5B353A71F}"/>
               </a:ext>
             </a:extLst>
           </p:cNvPr>
@@ -166,7 +166,7 @@
           <p:cNvPr id="3" name="副标题 2">
             <a:extLst>
               <a:ext uri="{FF2B5EF4-FFF2-40B4-BE49-F238E27FC236}">
-                <a16:creationId xmlns:a16="http://schemas.microsoft.com/office/drawing/2014/main" id="{E65DDB6F-E0B3-B6F2-F279-3E5A20C33144}"/>
+                <a16:creationId xmlns:a16="http://schemas.microsoft.com/office/drawing/2014/main" id="{C9F0D8BB-60CB-854F-8A4C-693DEFED991D}"/>
               </a:ext>
             </a:extLst>
           </p:cNvPr>
@@ -236,7 +236,7 @@
           <p:cNvPr id="4" name="日期占位符 3">
             <a:extLst>
               <a:ext uri="{FF2B5EF4-FFF2-40B4-BE49-F238E27FC236}">
-                <a16:creationId xmlns:a16="http://schemas.microsoft.com/office/drawing/2014/main" id="{F6144649-6BE2-D441-5393-67A1707953B7}"/>
+                <a16:creationId xmlns:a16="http://schemas.microsoft.com/office/drawing/2014/main" id="{00D414B7-09E1-053C-1615-4D7C51EABFA5}"/>
               </a:ext>
             </a:extLst>
           </p:cNvPr>
@@ -252,7 +252,7 @@
           <a:bodyPr/>
           <a:lstStyle/>
           <a:p>
-            <a:fld id="{4D1C5B8B-0B6C-46F9-8266-893D748FD9F6}" type="datetimeFigureOut">
+            <a:fld id="{CA1E538C-6685-4985-922A-583F9D99064A}" type="datetimeFigureOut">
               <a:rPr lang="zh-CN" altLang="en-US" smtClean="0"/>
               <a:t>2024/3/10</a:t>
             </a:fld>
@@ -265,7 +265,7 @@
           <p:cNvPr id="5" name="页脚占位符 4">
             <a:extLst>
               <a:ext uri="{FF2B5EF4-FFF2-40B4-BE49-F238E27FC236}">
-                <a16:creationId xmlns:a16="http://schemas.microsoft.com/office/drawing/2014/main" id="{1B7E4246-52E8-7528-5F31-51A401D4D954}"/>
+                <a16:creationId xmlns:a16="http://schemas.microsoft.com/office/drawing/2014/main" id="{24EF2452-F11B-A3A5-A426-D85C7E8C56C2}"/>
               </a:ext>
             </a:extLst>
           </p:cNvPr>
@@ -290,7 +290,7 @@
           <p:cNvPr id="6" name="灯片编号占位符 5">
             <a:extLst>
               <a:ext uri="{FF2B5EF4-FFF2-40B4-BE49-F238E27FC236}">
-                <a16:creationId xmlns:a16="http://schemas.microsoft.com/office/drawing/2014/main" id="{7787C746-82B9-1DA1-1B06-867C7B08CD1E}"/>
+                <a16:creationId xmlns:a16="http://schemas.microsoft.com/office/drawing/2014/main" id="{2FE00AF2-CEC3-B243-DB21-3698EA7E16FA}"/>
               </a:ext>
             </a:extLst>
           </p:cNvPr>
@@ -306,7 +306,7 @@
           <a:bodyPr/>
           <a:lstStyle/>
           <a:p>
-            <a:fld id="{8C32EA43-47C6-4A45-93C4-3DE75BB79ECB}" type="slidenum">
+            <a:fld id="{38C506EB-7728-4984-98FD-E97B2F50A3E3}" type="slidenum">
               <a:rPr lang="zh-CN" altLang="en-US" smtClean="0"/>
               <a:t>‹#›</a:t>
             </a:fld>
@@ -317,7 +317,7 @@
     </p:spTree>
     <p:extLst>
       <p:ext uri="{BB962C8B-B14F-4D97-AF65-F5344CB8AC3E}">
-        <p14:creationId xmlns:p14="http://schemas.microsoft.com/office/powerpoint/2010/main" val="3977337079"/>
+        <p14:creationId xmlns:p14="http://schemas.microsoft.com/office/powerpoint/2010/main" val="53430945"/>
       </p:ext>
     </p:extLst>
   </p:cSld>
@@ -349,7 +349,7 @@
           <p:cNvPr id="2" name="标题 1">
             <a:extLst>
               <a:ext uri="{FF2B5EF4-FFF2-40B4-BE49-F238E27FC236}">
-                <a16:creationId xmlns:a16="http://schemas.microsoft.com/office/drawing/2014/main" id="{B3DB02AC-7845-A6D2-26B0-B87EC207FDBC}"/>
+                <a16:creationId xmlns:a16="http://schemas.microsoft.com/office/drawing/2014/main" id="{67AD3675-7E78-965B-943C-CB0D550324EA}"/>
               </a:ext>
             </a:extLst>
           </p:cNvPr>
@@ -377,7 +377,7 @@
           <p:cNvPr id="3" name="竖排文字占位符 2">
             <a:extLst>
               <a:ext uri="{FF2B5EF4-FFF2-40B4-BE49-F238E27FC236}">
-                <a16:creationId xmlns:a16="http://schemas.microsoft.com/office/drawing/2014/main" id="{D869DFF3-6CDB-96C8-5C6E-AA1E24BD7CD1}"/>
+                <a16:creationId xmlns:a16="http://schemas.microsoft.com/office/drawing/2014/main" id="{91052CFF-D6CE-C236-0800-4B913648085D}"/>
               </a:ext>
             </a:extLst>
           </p:cNvPr>
@@ -434,7 +434,7 @@
           <p:cNvPr id="4" name="日期占位符 3">
             <a:extLst>
               <a:ext uri="{FF2B5EF4-FFF2-40B4-BE49-F238E27FC236}">
-                <a16:creationId xmlns:a16="http://schemas.microsoft.com/office/drawing/2014/main" id="{DECC456C-9EAC-8F74-E525-27495FBCC0A4}"/>
+                <a16:creationId xmlns:a16="http://schemas.microsoft.com/office/drawing/2014/main" id="{33D1843A-2147-8CE9-5676-5C2E240B1C1D}"/>
               </a:ext>
             </a:extLst>
           </p:cNvPr>
@@ -450,7 +450,7 @@
           <a:bodyPr/>
           <a:lstStyle/>
           <a:p>
-            <a:fld id="{4D1C5B8B-0B6C-46F9-8266-893D748FD9F6}" type="datetimeFigureOut">
+            <a:fld id="{CA1E538C-6685-4985-922A-583F9D99064A}" type="datetimeFigureOut">
               <a:rPr lang="zh-CN" altLang="en-US" smtClean="0"/>
               <a:t>2024/3/10</a:t>
             </a:fld>
@@ -463,7 +463,7 @@
           <p:cNvPr id="5" name="页脚占位符 4">
             <a:extLst>
               <a:ext uri="{FF2B5EF4-FFF2-40B4-BE49-F238E27FC236}">
-                <a16:creationId xmlns:a16="http://schemas.microsoft.com/office/drawing/2014/main" id="{6AD16A0C-285A-87AE-BF16-35130E02F16E}"/>
+                <a16:creationId xmlns:a16="http://schemas.microsoft.com/office/drawing/2014/main" id="{82DAA66E-8274-BA0A-B5A4-571009A55926}"/>
               </a:ext>
             </a:extLst>
           </p:cNvPr>
@@ -488,7 +488,7 @@
           <p:cNvPr id="6" name="灯片编号占位符 5">
             <a:extLst>
               <a:ext uri="{FF2B5EF4-FFF2-40B4-BE49-F238E27FC236}">
-                <a16:creationId xmlns:a16="http://schemas.microsoft.com/office/drawing/2014/main" id="{B51BA468-E0D1-538A-D4C7-512063AF420F}"/>
+                <a16:creationId xmlns:a16="http://schemas.microsoft.com/office/drawing/2014/main" id="{4537A803-96BA-B185-30B1-3E9697971141}"/>
               </a:ext>
             </a:extLst>
           </p:cNvPr>
@@ -504,7 +504,7 @@
           <a:bodyPr/>
           <a:lstStyle/>
           <a:p>
-            <a:fld id="{8C32EA43-47C6-4A45-93C4-3DE75BB79ECB}" type="slidenum">
+            <a:fld id="{38C506EB-7728-4984-98FD-E97B2F50A3E3}" type="slidenum">
               <a:rPr lang="zh-CN" altLang="en-US" smtClean="0"/>
               <a:t>‹#›</a:t>
             </a:fld>
@@ -515,7 +515,7 @@
     </p:spTree>
     <p:extLst>
       <p:ext uri="{BB962C8B-B14F-4D97-AF65-F5344CB8AC3E}">
-        <p14:creationId xmlns:p14="http://schemas.microsoft.com/office/powerpoint/2010/main" val="2186056162"/>
+        <p14:creationId xmlns:p14="http://schemas.microsoft.com/office/powerpoint/2010/main" val="1660549945"/>
       </p:ext>
     </p:extLst>
   </p:cSld>
@@ -547,7 +547,7 @@
           <p:cNvPr id="2" name="竖排标题 1">
             <a:extLst>
               <a:ext uri="{FF2B5EF4-FFF2-40B4-BE49-F238E27FC236}">
-                <a16:creationId xmlns:a16="http://schemas.microsoft.com/office/drawing/2014/main" id="{27FF4663-8FCB-A633-34FF-3FF2BFD84213}"/>
+                <a16:creationId xmlns:a16="http://schemas.microsoft.com/office/drawing/2014/main" id="{CE2F083B-8E8A-5DA5-06A3-4779068BE4A2}"/>
               </a:ext>
             </a:extLst>
           </p:cNvPr>
@@ -580,7 +580,7 @@
           <p:cNvPr id="3" name="竖排文字占位符 2">
             <a:extLst>
               <a:ext uri="{FF2B5EF4-FFF2-40B4-BE49-F238E27FC236}">
-                <a16:creationId xmlns:a16="http://schemas.microsoft.com/office/drawing/2014/main" id="{771B2505-6988-C0E1-1C9A-564D7C6D61DF}"/>
+                <a16:creationId xmlns:a16="http://schemas.microsoft.com/office/drawing/2014/main" id="{059A8D45-B26D-06E4-A3D1-222BFE79F8DA}"/>
               </a:ext>
             </a:extLst>
           </p:cNvPr>
@@ -642,7 +642,7 @@
           <p:cNvPr id="4" name="日期占位符 3">
             <a:extLst>
               <a:ext uri="{FF2B5EF4-FFF2-40B4-BE49-F238E27FC236}">
-                <a16:creationId xmlns:a16="http://schemas.microsoft.com/office/drawing/2014/main" id="{C13406DC-9FAF-B1DD-61DF-89A1E97091E0}"/>
+                <a16:creationId xmlns:a16="http://schemas.microsoft.com/office/drawing/2014/main" id="{C96C69DF-E9BE-600D-199E-11498FEFF415}"/>
               </a:ext>
             </a:extLst>
           </p:cNvPr>
@@ -658,7 +658,7 @@
           <a:bodyPr/>
           <a:lstStyle/>
           <a:p>
-            <a:fld id="{4D1C5B8B-0B6C-46F9-8266-893D748FD9F6}" type="datetimeFigureOut">
+            <a:fld id="{CA1E538C-6685-4985-922A-583F9D99064A}" type="datetimeFigureOut">
               <a:rPr lang="zh-CN" altLang="en-US" smtClean="0"/>
               <a:t>2024/3/10</a:t>
             </a:fld>
@@ -671,7 +671,7 @@
           <p:cNvPr id="5" name="页脚占位符 4">
             <a:extLst>
               <a:ext uri="{FF2B5EF4-FFF2-40B4-BE49-F238E27FC236}">
-                <a16:creationId xmlns:a16="http://schemas.microsoft.com/office/drawing/2014/main" id="{964E56D9-09A3-6B57-6626-DBF5BC7AC2A5}"/>
+                <a16:creationId xmlns:a16="http://schemas.microsoft.com/office/drawing/2014/main" id="{43A7652D-DF08-FFC3-45F2-84FA4E8188DF}"/>
               </a:ext>
             </a:extLst>
           </p:cNvPr>
@@ -696,7 +696,7 @@
           <p:cNvPr id="6" name="灯片编号占位符 5">
             <a:extLst>
               <a:ext uri="{FF2B5EF4-FFF2-40B4-BE49-F238E27FC236}">
-                <a16:creationId xmlns:a16="http://schemas.microsoft.com/office/drawing/2014/main" id="{3E0DBBE0-E90C-80DE-76FF-08E7E96F147B}"/>
+                <a16:creationId xmlns:a16="http://schemas.microsoft.com/office/drawing/2014/main" id="{85F7193F-4DA3-8FAB-F545-D113F30C4776}"/>
               </a:ext>
             </a:extLst>
           </p:cNvPr>
@@ -712,7 +712,7 @@
           <a:bodyPr/>
           <a:lstStyle/>
           <a:p>
-            <a:fld id="{8C32EA43-47C6-4A45-93C4-3DE75BB79ECB}" type="slidenum">
+            <a:fld id="{38C506EB-7728-4984-98FD-E97B2F50A3E3}" type="slidenum">
               <a:rPr lang="zh-CN" altLang="en-US" smtClean="0"/>
               <a:t>‹#›</a:t>
             </a:fld>
@@ -723,7 +723,7 @@
     </p:spTree>
     <p:extLst>
       <p:ext uri="{BB962C8B-B14F-4D97-AF65-F5344CB8AC3E}">
-        <p14:creationId xmlns:p14="http://schemas.microsoft.com/office/powerpoint/2010/main" val="2398377751"/>
+        <p14:creationId xmlns:p14="http://schemas.microsoft.com/office/powerpoint/2010/main" val="601214429"/>
       </p:ext>
     </p:extLst>
   </p:cSld>
@@ -755,7 +755,7 @@
           <p:cNvPr id="2" name="标题 1">
             <a:extLst>
               <a:ext uri="{FF2B5EF4-FFF2-40B4-BE49-F238E27FC236}">
-                <a16:creationId xmlns:a16="http://schemas.microsoft.com/office/drawing/2014/main" id="{E36532BA-AE80-4633-08EF-608EA8803539}"/>
+                <a16:creationId xmlns:a16="http://schemas.microsoft.com/office/drawing/2014/main" id="{E35A7CEE-66DD-D054-6467-0C46E7D8BF95}"/>
               </a:ext>
             </a:extLst>
           </p:cNvPr>
@@ -783,7 +783,7 @@
           <p:cNvPr id="3" name="内容占位符 2">
             <a:extLst>
               <a:ext uri="{FF2B5EF4-FFF2-40B4-BE49-F238E27FC236}">
-                <a16:creationId xmlns:a16="http://schemas.microsoft.com/office/drawing/2014/main" id="{C0B412E1-1D98-5282-3B4B-8D98D97D1FF2}"/>
+                <a16:creationId xmlns:a16="http://schemas.microsoft.com/office/drawing/2014/main" id="{028D86C0-556F-76A5-6CF7-474D898D517B}"/>
               </a:ext>
             </a:extLst>
           </p:cNvPr>
@@ -840,7 +840,7 @@
           <p:cNvPr id="4" name="日期占位符 3">
             <a:extLst>
               <a:ext uri="{FF2B5EF4-FFF2-40B4-BE49-F238E27FC236}">
-                <a16:creationId xmlns:a16="http://schemas.microsoft.com/office/drawing/2014/main" id="{4F4949B6-B24F-1D8E-94AE-44F15D925C8C}"/>
+                <a16:creationId xmlns:a16="http://schemas.microsoft.com/office/drawing/2014/main" id="{5CEC5103-F70D-A07A-6DBB-38E30DC9EDB9}"/>
               </a:ext>
             </a:extLst>
           </p:cNvPr>
@@ -856,7 +856,7 @@
           <a:bodyPr/>
           <a:lstStyle/>
           <a:p>
-            <a:fld id="{4D1C5B8B-0B6C-46F9-8266-893D748FD9F6}" type="datetimeFigureOut">
+            <a:fld id="{CA1E538C-6685-4985-922A-583F9D99064A}" type="datetimeFigureOut">
               <a:rPr lang="zh-CN" altLang="en-US" smtClean="0"/>
               <a:t>2024/3/10</a:t>
             </a:fld>
@@ -869,7 +869,7 @@
           <p:cNvPr id="5" name="页脚占位符 4">
             <a:extLst>
               <a:ext uri="{FF2B5EF4-FFF2-40B4-BE49-F238E27FC236}">
-                <a16:creationId xmlns:a16="http://schemas.microsoft.com/office/drawing/2014/main" id="{40F154FB-C22D-8C8B-A3F2-C8DA0D9BE3E7}"/>
+                <a16:creationId xmlns:a16="http://schemas.microsoft.com/office/drawing/2014/main" id="{20F2D1F5-ABD8-F4FE-2D99-696384EEA13B}"/>
               </a:ext>
             </a:extLst>
           </p:cNvPr>
@@ -894,7 +894,7 @@
           <p:cNvPr id="6" name="灯片编号占位符 5">
             <a:extLst>
               <a:ext uri="{FF2B5EF4-FFF2-40B4-BE49-F238E27FC236}">
-                <a16:creationId xmlns:a16="http://schemas.microsoft.com/office/drawing/2014/main" id="{D64C8ED8-5E16-950A-8B79-34A993D1947F}"/>
+                <a16:creationId xmlns:a16="http://schemas.microsoft.com/office/drawing/2014/main" id="{55AAD1E1-222B-7C29-5E80-5B973B4D6604}"/>
               </a:ext>
             </a:extLst>
           </p:cNvPr>
@@ -910,7 +910,7 @@
           <a:bodyPr/>
           <a:lstStyle/>
           <a:p>
-            <a:fld id="{8C32EA43-47C6-4A45-93C4-3DE75BB79ECB}" type="slidenum">
+            <a:fld id="{38C506EB-7728-4984-98FD-E97B2F50A3E3}" type="slidenum">
               <a:rPr lang="zh-CN" altLang="en-US" smtClean="0"/>
               <a:t>‹#›</a:t>
             </a:fld>
@@ -921,7 +921,7 @@
     </p:spTree>
     <p:extLst>
       <p:ext uri="{BB962C8B-B14F-4D97-AF65-F5344CB8AC3E}">
-        <p14:creationId xmlns:p14="http://schemas.microsoft.com/office/powerpoint/2010/main" val="3600101886"/>
+        <p14:creationId xmlns:p14="http://schemas.microsoft.com/office/powerpoint/2010/main" val="3657758480"/>
       </p:ext>
     </p:extLst>
   </p:cSld>
@@ -953,7 +953,7 @@
           <p:cNvPr id="2" name="标题 1">
             <a:extLst>
               <a:ext uri="{FF2B5EF4-FFF2-40B4-BE49-F238E27FC236}">
-                <a16:creationId xmlns:a16="http://schemas.microsoft.com/office/drawing/2014/main" id="{2A8FA4F3-EB3A-C113-628F-EA264110440B}"/>
+                <a16:creationId xmlns:a16="http://schemas.microsoft.com/office/drawing/2014/main" id="{8158BA2F-FBF5-19CF-A6F2-46CFA34196F1}"/>
               </a:ext>
             </a:extLst>
           </p:cNvPr>
@@ -990,7 +990,7 @@
           <p:cNvPr id="3" name="文本占位符 2">
             <a:extLst>
               <a:ext uri="{FF2B5EF4-FFF2-40B4-BE49-F238E27FC236}">
-                <a16:creationId xmlns:a16="http://schemas.microsoft.com/office/drawing/2014/main" id="{A099250C-D2C2-9F4C-44A5-4310AA9F3659}"/>
+                <a16:creationId xmlns:a16="http://schemas.microsoft.com/office/drawing/2014/main" id="{7CBB44D2-61E8-C0C7-B91D-5D50E9DE8330}"/>
               </a:ext>
             </a:extLst>
           </p:cNvPr>
@@ -1115,7 +1115,7 @@
           <p:cNvPr id="4" name="日期占位符 3">
             <a:extLst>
               <a:ext uri="{FF2B5EF4-FFF2-40B4-BE49-F238E27FC236}">
-                <a16:creationId xmlns:a16="http://schemas.microsoft.com/office/drawing/2014/main" id="{D9D02404-29A9-2869-E65E-1097394BD502}"/>
+                <a16:creationId xmlns:a16="http://schemas.microsoft.com/office/drawing/2014/main" id="{E19F7F48-AF73-A44A-A2E2-CABEF224C55F}"/>
               </a:ext>
             </a:extLst>
           </p:cNvPr>
@@ -1131,7 +1131,7 @@
           <a:bodyPr/>
           <a:lstStyle/>
           <a:p>
-            <a:fld id="{4D1C5B8B-0B6C-46F9-8266-893D748FD9F6}" type="datetimeFigureOut">
+            <a:fld id="{CA1E538C-6685-4985-922A-583F9D99064A}" type="datetimeFigureOut">
               <a:rPr lang="zh-CN" altLang="en-US" smtClean="0"/>
               <a:t>2024/3/10</a:t>
             </a:fld>
@@ -1144,7 +1144,7 @@
           <p:cNvPr id="5" name="页脚占位符 4">
             <a:extLst>
               <a:ext uri="{FF2B5EF4-FFF2-40B4-BE49-F238E27FC236}">
-                <a16:creationId xmlns:a16="http://schemas.microsoft.com/office/drawing/2014/main" id="{F847B247-F873-36E7-1767-1C750D20320D}"/>
+                <a16:creationId xmlns:a16="http://schemas.microsoft.com/office/drawing/2014/main" id="{5A9BEC8D-7A05-5325-FCCD-66648944BD20}"/>
               </a:ext>
             </a:extLst>
           </p:cNvPr>
@@ -1169,7 +1169,7 @@
           <p:cNvPr id="6" name="灯片编号占位符 5">
             <a:extLst>
               <a:ext uri="{FF2B5EF4-FFF2-40B4-BE49-F238E27FC236}">
-                <a16:creationId xmlns:a16="http://schemas.microsoft.com/office/drawing/2014/main" id="{77728844-1F4B-DE82-4DF9-49451015A964}"/>
+                <a16:creationId xmlns:a16="http://schemas.microsoft.com/office/drawing/2014/main" id="{A8D9C4AA-9AC4-98C5-E75C-3F15E9920F20}"/>
               </a:ext>
             </a:extLst>
           </p:cNvPr>
@@ -1185,7 +1185,7 @@
           <a:bodyPr/>
           <a:lstStyle/>
           <a:p>
-            <a:fld id="{8C32EA43-47C6-4A45-93C4-3DE75BB79ECB}" type="slidenum">
+            <a:fld id="{38C506EB-7728-4984-98FD-E97B2F50A3E3}" type="slidenum">
               <a:rPr lang="zh-CN" altLang="en-US" smtClean="0"/>
               <a:t>‹#›</a:t>
             </a:fld>
@@ -1196,7 +1196,7 @@
     </p:spTree>
     <p:extLst>
       <p:ext uri="{BB962C8B-B14F-4D97-AF65-F5344CB8AC3E}">
-        <p14:creationId xmlns:p14="http://schemas.microsoft.com/office/powerpoint/2010/main" val="581039402"/>
+        <p14:creationId xmlns:p14="http://schemas.microsoft.com/office/powerpoint/2010/main" val="2891576575"/>
       </p:ext>
     </p:extLst>
   </p:cSld>
@@ -1228,7 +1228,7 @@
           <p:cNvPr id="2" name="标题 1">
             <a:extLst>
               <a:ext uri="{FF2B5EF4-FFF2-40B4-BE49-F238E27FC236}">
-                <a16:creationId xmlns:a16="http://schemas.microsoft.com/office/drawing/2014/main" id="{EB4664E2-040E-4AAB-BDC6-9318EAFDAC55}"/>
+                <a16:creationId xmlns:a16="http://schemas.microsoft.com/office/drawing/2014/main" id="{6ED30D47-4AC8-69C5-5318-6565E9D301F1}"/>
               </a:ext>
             </a:extLst>
           </p:cNvPr>
@@ -1256,7 +1256,7 @@
           <p:cNvPr id="3" name="内容占位符 2">
             <a:extLst>
               <a:ext uri="{FF2B5EF4-FFF2-40B4-BE49-F238E27FC236}">
-                <a16:creationId xmlns:a16="http://schemas.microsoft.com/office/drawing/2014/main" id="{1A9E699F-8E3D-A07E-FB79-F25877FD9A38}"/>
+                <a16:creationId xmlns:a16="http://schemas.microsoft.com/office/drawing/2014/main" id="{82E4DF23-D9C8-EF49-6360-351824177AD1}"/>
               </a:ext>
             </a:extLst>
           </p:cNvPr>
@@ -1318,7 +1318,7 @@
           <p:cNvPr id="4" name="内容占位符 3">
             <a:extLst>
               <a:ext uri="{FF2B5EF4-FFF2-40B4-BE49-F238E27FC236}">
-                <a16:creationId xmlns:a16="http://schemas.microsoft.com/office/drawing/2014/main" id="{4F785E5C-3544-F6EA-8B7E-F073A898BD1D}"/>
+                <a16:creationId xmlns:a16="http://schemas.microsoft.com/office/drawing/2014/main" id="{AA8E14DC-A572-5893-E667-50FA06EB417C}"/>
               </a:ext>
             </a:extLst>
           </p:cNvPr>
@@ -1380,7 +1380,7 @@
           <p:cNvPr id="5" name="日期占位符 4">
             <a:extLst>
               <a:ext uri="{FF2B5EF4-FFF2-40B4-BE49-F238E27FC236}">
-                <a16:creationId xmlns:a16="http://schemas.microsoft.com/office/drawing/2014/main" id="{0BF48DC5-7C92-8D52-914C-7F1180AF0F2A}"/>
+                <a16:creationId xmlns:a16="http://schemas.microsoft.com/office/drawing/2014/main" id="{F24140EF-48ED-A98A-9F6D-A3F97D3CD698}"/>
               </a:ext>
             </a:extLst>
           </p:cNvPr>
@@ -1396,7 +1396,7 @@
           <a:bodyPr/>
           <a:lstStyle/>
           <a:p>
-            <a:fld id="{4D1C5B8B-0B6C-46F9-8266-893D748FD9F6}" type="datetimeFigureOut">
+            <a:fld id="{CA1E538C-6685-4985-922A-583F9D99064A}" type="datetimeFigureOut">
               <a:rPr lang="zh-CN" altLang="en-US" smtClean="0"/>
               <a:t>2024/3/10</a:t>
             </a:fld>
@@ -1409,7 +1409,7 @@
           <p:cNvPr id="6" name="页脚占位符 5">
             <a:extLst>
               <a:ext uri="{FF2B5EF4-FFF2-40B4-BE49-F238E27FC236}">
-                <a16:creationId xmlns:a16="http://schemas.microsoft.com/office/drawing/2014/main" id="{0BFBE76B-AB23-E0D1-E170-A1A0BEC56F82}"/>
+                <a16:creationId xmlns:a16="http://schemas.microsoft.com/office/drawing/2014/main" id="{3148791D-A965-FF9A-AD4E-515C5FCC5EFB}"/>
               </a:ext>
             </a:extLst>
           </p:cNvPr>
@@ -1434,7 +1434,7 @@
           <p:cNvPr id="7" name="灯片编号占位符 6">
             <a:extLst>
               <a:ext uri="{FF2B5EF4-FFF2-40B4-BE49-F238E27FC236}">
-                <a16:creationId xmlns:a16="http://schemas.microsoft.com/office/drawing/2014/main" id="{C82276AD-A903-30C1-412E-45D7F0A89025}"/>
+                <a16:creationId xmlns:a16="http://schemas.microsoft.com/office/drawing/2014/main" id="{1F11C014-DB8D-2126-3C00-B78F1C2C73DB}"/>
               </a:ext>
             </a:extLst>
           </p:cNvPr>
@@ -1450,7 +1450,7 @@
           <a:bodyPr/>
           <a:lstStyle/>
           <a:p>
-            <a:fld id="{8C32EA43-47C6-4A45-93C4-3DE75BB79ECB}" type="slidenum">
+            <a:fld id="{38C506EB-7728-4984-98FD-E97B2F50A3E3}" type="slidenum">
               <a:rPr lang="zh-CN" altLang="en-US" smtClean="0"/>
               <a:t>‹#›</a:t>
             </a:fld>
@@ -1461,7 +1461,7 @@
     </p:spTree>
     <p:extLst>
       <p:ext uri="{BB962C8B-B14F-4D97-AF65-F5344CB8AC3E}">
-        <p14:creationId xmlns:p14="http://schemas.microsoft.com/office/powerpoint/2010/main" val="2359035638"/>
+        <p14:creationId xmlns:p14="http://schemas.microsoft.com/office/powerpoint/2010/main" val="2892549266"/>
       </p:ext>
     </p:extLst>
   </p:cSld>
@@ -1493,7 +1493,7 @@
           <p:cNvPr id="2" name="标题 1">
             <a:extLst>
               <a:ext uri="{FF2B5EF4-FFF2-40B4-BE49-F238E27FC236}">
-                <a16:creationId xmlns:a16="http://schemas.microsoft.com/office/drawing/2014/main" id="{8202C953-B2A4-12C1-CDF6-E1EA69D25FFF}"/>
+                <a16:creationId xmlns:a16="http://schemas.microsoft.com/office/drawing/2014/main" id="{2FACDC1E-240A-4A08-7360-43E1FF719DC9}"/>
               </a:ext>
             </a:extLst>
           </p:cNvPr>
@@ -1526,7 +1526,7 @@
           <p:cNvPr id="3" name="文本占位符 2">
             <a:extLst>
               <a:ext uri="{FF2B5EF4-FFF2-40B4-BE49-F238E27FC236}">
-                <a16:creationId xmlns:a16="http://schemas.microsoft.com/office/drawing/2014/main" id="{6127AA25-C58B-FB8A-5043-B5A95B70C182}"/>
+                <a16:creationId xmlns:a16="http://schemas.microsoft.com/office/drawing/2014/main" id="{A251AABA-1B4D-63D1-418F-BE1E04D94062}"/>
               </a:ext>
             </a:extLst>
           </p:cNvPr>
@@ -1597,7 +1597,7 @@
           <p:cNvPr id="4" name="内容占位符 3">
             <a:extLst>
               <a:ext uri="{FF2B5EF4-FFF2-40B4-BE49-F238E27FC236}">
-                <a16:creationId xmlns:a16="http://schemas.microsoft.com/office/drawing/2014/main" id="{6DB6E5E9-59D1-12A4-7B26-4D2897A465E8}"/>
+                <a16:creationId xmlns:a16="http://schemas.microsoft.com/office/drawing/2014/main" id="{1BB20DC9-452F-431B-8200-5712212CF1D3}"/>
               </a:ext>
             </a:extLst>
           </p:cNvPr>
@@ -1659,7 +1659,7 @@
           <p:cNvPr id="5" name="文本占位符 4">
             <a:extLst>
               <a:ext uri="{FF2B5EF4-FFF2-40B4-BE49-F238E27FC236}">
-                <a16:creationId xmlns:a16="http://schemas.microsoft.com/office/drawing/2014/main" id="{F8894DFA-213F-D17B-F6AF-01B05B4D1994}"/>
+                <a16:creationId xmlns:a16="http://schemas.microsoft.com/office/drawing/2014/main" id="{5A9648CE-2191-27A2-7E60-8E6580A1A59C}"/>
               </a:ext>
             </a:extLst>
           </p:cNvPr>
@@ -1730,7 +1730,7 @@
           <p:cNvPr id="6" name="内容占位符 5">
             <a:extLst>
               <a:ext uri="{FF2B5EF4-FFF2-40B4-BE49-F238E27FC236}">
-                <a16:creationId xmlns:a16="http://schemas.microsoft.com/office/drawing/2014/main" id="{90185771-8B3C-57E0-8A59-C491C89D2143}"/>
+                <a16:creationId xmlns:a16="http://schemas.microsoft.com/office/drawing/2014/main" id="{BBA5ACCE-BD62-A41C-2342-E776D3CE8144}"/>
               </a:ext>
             </a:extLst>
           </p:cNvPr>
@@ -1792,7 +1792,7 @@
           <p:cNvPr id="7" name="日期占位符 6">
             <a:extLst>
               <a:ext uri="{FF2B5EF4-FFF2-40B4-BE49-F238E27FC236}">
-                <a16:creationId xmlns:a16="http://schemas.microsoft.com/office/drawing/2014/main" id="{7D404C4B-5145-2C4A-64A2-619C026262E8}"/>
+                <a16:creationId xmlns:a16="http://schemas.microsoft.com/office/drawing/2014/main" id="{DA0FAA39-C8F2-3C88-E7E9-3ABD525B7B0F}"/>
               </a:ext>
             </a:extLst>
           </p:cNvPr>
@@ -1808,7 +1808,7 @@
           <a:bodyPr/>
           <a:lstStyle/>
           <a:p>
-            <a:fld id="{4D1C5B8B-0B6C-46F9-8266-893D748FD9F6}" type="datetimeFigureOut">
+            <a:fld id="{CA1E538C-6685-4985-922A-583F9D99064A}" type="datetimeFigureOut">
               <a:rPr lang="zh-CN" altLang="en-US" smtClean="0"/>
               <a:t>2024/3/10</a:t>
             </a:fld>
@@ -1821,7 +1821,7 @@
           <p:cNvPr id="8" name="页脚占位符 7">
             <a:extLst>
               <a:ext uri="{FF2B5EF4-FFF2-40B4-BE49-F238E27FC236}">
-                <a16:creationId xmlns:a16="http://schemas.microsoft.com/office/drawing/2014/main" id="{49BE1174-4FD2-1BE9-0590-81E81A3C207A}"/>
+                <a16:creationId xmlns:a16="http://schemas.microsoft.com/office/drawing/2014/main" id="{1132A438-0F95-B43D-B540-C8722C094BAD}"/>
               </a:ext>
             </a:extLst>
           </p:cNvPr>
@@ -1846,7 +1846,7 @@
           <p:cNvPr id="9" name="灯片编号占位符 8">
             <a:extLst>
               <a:ext uri="{FF2B5EF4-FFF2-40B4-BE49-F238E27FC236}">
-                <a16:creationId xmlns:a16="http://schemas.microsoft.com/office/drawing/2014/main" id="{D59672B9-8743-68B0-82D6-AF18E55389B3}"/>
+                <a16:creationId xmlns:a16="http://schemas.microsoft.com/office/drawing/2014/main" id="{56298ADF-D6DA-629C-20D9-91EC36928C19}"/>
               </a:ext>
             </a:extLst>
           </p:cNvPr>
@@ -1862,7 +1862,7 @@
           <a:bodyPr/>
           <a:lstStyle/>
           <a:p>
-            <a:fld id="{8C32EA43-47C6-4A45-93C4-3DE75BB79ECB}" type="slidenum">
+            <a:fld id="{38C506EB-7728-4984-98FD-E97B2F50A3E3}" type="slidenum">
               <a:rPr lang="zh-CN" altLang="en-US" smtClean="0"/>
               <a:t>‹#›</a:t>
             </a:fld>
@@ -1873,7 +1873,7 @@
     </p:spTree>
     <p:extLst>
       <p:ext uri="{BB962C8B-B14F-4D97-AF65-F5344CB8AC3E}">
-        <p14:creationId xmlns:p14="http://schemas.microsoft.com/office/powerpoint/2010/main" val="3276782959"/>
+        <p14:creationId xmlns:p14="http://schemas.microsoft.com/office/powerpoint/2010/main" val="3195508131"/>
       </p:ext>
     </p:extLst>
   </p:cSld>
@@ -1905,7 +1905,7 @@
           <p:cNvPr id="2" name="标题 1">
             <a:extLst>
               <a:ext uri="{FF2B5EF4-FFF2-40B4-BE49-F238E27FC236}">
-                <a16:creationId xmlns:a16="http://schemas.microsoft.com/office/drawing/2014/main" id="{396950DC-5015-975D-96B6-FAA0AA0E6C5A}"/>
+                <a16:creationId xmlns:a16="http://schemas.microsoft.com/office/drawing/2014/main" id="{BA1B2A9B-83F1-353C-08DF-7E7DBB116E5D}"/>
               </a:ext>
             </a:extLst>
           </p:cNvPr>
@@ -1933,7 +1933,7 @@
           <p:cNvPr id="3" name="日期占位符 2">
             <a:extLst>
               <a:ext uri="{FF2B5EF4-FFF2-40B4-BE49-F238E27FC236}">
-                <a16:creationId xmlns:a16="http://schemas.microsoft.com/office/drawing/2014/main" id="{515B31D1-AF2D-20F9-7428-A32D8738BB1D}"/>
+                <a16:creationId xmlns:a16="http://schemas.microsoft.com/office/drawing/2014/main" id="{0A6E5421-53F8-D9A7-10B4-78230322D728}"/>
               </a:ext>
             </a:extLst>
           </p:cNvPr>
@@ -1949,7 +1949,7 @@
           <a:bodyPr/>
           <a:lstStyle/>
           <a:p>
-            <a:fld id="{4D1C5B8B-0B6C-46F9-8266-893D748FD9F6}" type="datetimeFigureOut">
+            <a:fld id="{CA1E538C-6685-4985-922A-583F9D99064A}" type="datetimeFigureOut">
               <a:rPr lang="zh-CN" altLang="en-US" smtClean="0"/>
               <a:t>2024/3/10</a:t>
             </a:fld>
@@ -1962,7 +1962,7 @@
           <p:cNvPr id="4" name="页脚占位符 3">
             <a:extLst>
               <a:ext uri="{FF2B5EF4-FFF2-40B4-BE49-F238E27FC236}">
-                <a16:creationId xmlns:a16="http://schemas.microsoft.com/office/drawing/2014/main" id="{70BF1A22-B7A1-6801-E770-ADD01CDC46EA}"/>
+                <a16:creationId xmlns:a16="http://schemas.microsoft.com/office/drawing/2014/main" id="{C1B117CC-746C-24AD-2E74-D89C00A847FF}"/>
               </a:ext>
             </a:extLst>
           </p:cNvPr>
@@ -1987,7 +1987,7 @@
           <p:cNvPr id="5" name="灯片编号占位符 4">
             <a:extLst>
               <a:ext uri="{FF2B5EF4-FFF2-40B4-BE49-F238E27FC236}">
-                <a16:creationId xmlns:a16="http://schemas.microsoft.com/office/drawing/2014/main" id="{C83DBBD2-3574-4C92-48EC-ECE33CC13628}"/>
+                <a16:creationId xmlns:a16="http://schemas.microsoft.com/office/drawing/2014/main" id="{E9E5644E-A18B-E648-DA99-3D2CFA4C7542}"/>
               </a:ext>
             </a:extLst>
           </p:cNvPr>
@@ -2003,7 +2003,7 @@
           <a:bodyPr/>
           <a:lstStyle/>
           <a:p>
-            <a:fld id="{8C32EA43-47C6-4A45-93C4-3DE75BB79ECB}" type="slidenum">
+            <a:fld id="{38C506EB-7728-4984-98FD-E97B2F50A3E3}" type="slidenum">
               <a:rPr lang="zh-CN" altLang="en-US" smtClean="0"/>
               <a:t>‹#›</a:t>
             </a:fld>
@@ -2014,7 +2014,7 @@
     </p:spTree>
     <p:extLst>
       <p:ext uri="{BB962C8B-B14F-4D97-AF65-F5344CB8AC3E}">
-        <p14:creationId xmlns:p14="http://schemas.microsoft.com/office/powerpoint/2010/main" val="354072395"/>
+        <p14:creationId xmlns:p14="http://schemas.microsoft.com/office/powerpoint/2010/main" val="3661202211"/>
       </p:ext>
     </p:extLst>
   </p:cSld>
@@ -2046,7 +2046,7 @@
           <p:cNvPr id="2" name="日期占位符 1">
             <a:extLst>
               <a:ext uri="{FF2B5EF4-FFF2-40B4-BE49-F238E27FC236}">
-                <a16:creationId xmlns:a16="http://schemas.microsoft.com/office/drawing/2014/main" id="{DEE6EC5F-7E6E-2A16-07BE-B986C9E246A7}"/>
+                <a16:creationId xmlns:a16="http://schemas.microsoft.com/office/drawing/2014/main" id="{D2DED39F-7116-4787-9F25-C09756803C98}"/>
               </a:ext>
             </a:extLst>
           </p:cNvPr>
@@ -2062,7 +2062,7 @@
           <a:bodyPr/>
           <a:lstStyle/>
           <a:p>
-            <a:fld id="{4D1C5B8B-0B6C-46F9-8266-893D748FD9F6}" type="datetimeFigureOut">
+            <a:fld id="{CA1E538C-6685-4985-922A-583F9D99064A}" type="datetimeFigureOut">
               <a:rPr lang="zh-CN" altLang="en-US" smtClean="0"/>
               <a:t>2024/3/10</a:t>
             </a:fld>
@@ -2075,7 +2075,7 @@
           <p:cNvPr id="3" name="页脚占位符 2">
             <a:extLst>
               <a:ext uri="{FF2B5EF4-FFF2-40B4-BE49-F238E27FC236}">
-                <a16:creationId xmlns:a16="http://schemas.microsoft.com/office/drawing/2014/main" id="{7F40C41F-95FB-3332-E05E-C9A5341A8F86}"/>
+                <a16:creationId xmlns:a16="http://schemas.microsoft.com/office/drawing/2014/main" id="{E021DEC3-9790-B76A-586F-5E52AB990BE7}"/>
               </a:ext>
             </a:extLst>
           </p:cNvPr>
@@ -2100,7 +2100,7 @@
           <p:cNvPr id="4" name="灯片编号占位符 3">
             <a:extLst>
               <a:ext uri="{FF2B5EF4-FFF2-40B4-BE49-F238E27FC236}">
-                <a16:creationId xmlns:a16="http://schemas.microsoft.com/office/drawing/2014/main" id="{3929DABD-D3B1-EA2B-787E-804E41F551F4}"/>
+                <a16:creationId xmlns:a16="http://schemas.microsoft.com/office/drawing/2014/main" id="{08A9BD3C-57CE-049E-BC6D-4E81D45D57D3}"/>
               </a:ext>
             </a:extLst>
           </p:cNvPr>
@@ -2116,7 +2116,7 @@
           <a:bodyPr/>
           <a:lstStyle/>
           <a:p>
-            <a:fld id="{8C32EA43-47C6-4A45-93C4-3DE75BB79ECB}" type="slidenum">
+            <a:fld id="{38C506EB-7728-4984-98FD-E97B2F50A3E3}" type="slidenum">
               <a:rPr lang="zh-CN" altLang="en-US" smtClean="0"/>
               <a:t>‹#›</a:t>
             </a:fld>
@@ -2127,7 +2127,7 @@
     </p:spTree>
     <p:extLst>
       <p:ext uri="{BB962C8B-B14F-4D97-AF65-F5344CB8AC3E}">
-        <p14:creationId xmlns:p14="http://schemas.microsoft.com/office/powerpoint/2010/main" val="3080987043"/>
+        <p14:creationId xmlns:p14="http://schemas.microsoft.com/office/powerpoint/2010/main" val="1002209055"/>
       </p:ext>
     </p:extLst>
   </p:cSld>
@@ -2159,7 +2159,7 @@
           <p:cNvPr id="2" name="标题 1">
             <a:extLst>
               <a:ext uri="{FF2B5EF4-FFF2-40B4-BE49-F238E27FC236}">
-                <a16:creationId xmlns:a16="http://schemas.microsoft.com/office/drawing/2014/main" id="{BEB0ED52-C874-12BC-C50A-5AE215ECEFA1}"/>
+                <a16:creationId xmlns:a16="http://schemas.microsoft.com/office/drawing/2014/main" id="{C10A5011-5246-508E-CB8B-A80AAA52628C}"/>
               </a:ext>
             </a:extLst>
           </p:cNvPr>
@@ -2196,7 +2196,7 @@
           <p:cNvPr id="3" name="内容占位符 2">
             <a:extLst>
               <a:ext uri="{FF2B5EF4-FFF2-40B4-BE49-F238E27FC236}">
-                <a16:creationId xmlns:a16="http://schemas.microsoft.com/office/drawing/2014/main" id="{74DAEFAC-C88D-57DB-50ED-07CB4029DBE4}"/>
+                <a16:creationId xmlns:a16="http://schemas.microsoft.com/office/drawing/2014/main" id="{A4EE99D7-FFFA-4B0A-DE3F-390662180F25}"/>
               </a:ext>
             </a:extLst>
           </p:cNvPr>
@@ -2286,7 +2286,7 @@
           <p:cNvPr id="4" name="文本占位符 3">
             <a:extLst>
               <a:ext uri="{FF2B5EF4-FFF2-40B4-BE49-F238E27FC236}">
-                <a16:creationId xmlns:a16="http://schemas.microsoft.com/office/drawing/2014/main" id="{A86A1938-E475-F180-B8BC-13A13391FDA1}"/>
+                <a16:creationId xmlns:a16="http://schemas.microsoft.com/office/drawing/2014/main" id="{0AF620F3-D978-76E6-0090-DCF72028526A}"/>
               </a:ext>
             </a:extLst>
           </p:cNvPr>
@@ -2357,7 +2357,7 @@
           <p:cNvPr id="5" name="日期占位符 4">
             <a:extLst>
               <a:ext uri="{FF2B5EF4-FFF2-40B4-BE49-F238E27FC236}">
-                <a16:creationId xmlns:a16="http://schemas.microsoft.com/office/drawing/2014/main" id="{055CA0CE-2552-3A65-C56D-7FE10BB55F2F}"/>
+                <a16:creationId xmlns:a16="http://schemas.microsoft.com/office/drawing/2014/main" id="{612BDDF3-06FE-ACB1-634F-6F25C0EA36F0}"/>
               </a:ext>
             </a:extLst>
           </p:cNvPr>
@@ -2373,7 +2373,7 @@
           <a:bodyPr/>
           <a:lstStyle/>
           <a:p>
-            <a:fld id="{4D1C5B8B-0B6C-46F9-8266-893D748FD9F6}" type="datetimeFigureOut">
+            <a:fld id="{CA1E538C-6685-4985-922A-583F9D99064A}" type="datetimeFigureOut">
               <a:rPr lang="zh-CN" altLang="en-US" smtClean="0"/>
               <a:t>2024/3/10</a:t>
             </a:fld>
@@ -2386,7 +2386,7 @@
           <p:cNvPr id="6" name="页脚占位符 5">
             <a:extLst>
               <a:ext uri="{FF2B5EF4-FFF2-40B4-BE49-F238E27FC236}">
-                <a16:creationId xmlns:a16="http://schemas.microsoft.com/office/drawing/2014/main" id="{6BB97AF5-CA5A-7140-A133-4AAD6FBF692B}"/>
+                <a16:creationId xmlns:a16="http://schemas.microsoft.com/office/drawing/2014/main" id="{B0866648-6411-4F4C-28EB-827FF68B266C}"/>
               </a:ext>
             </a:extLst>
           </p:cNvPr>
@@ -2411,7 +2411,7 @@
           <p:cNvPr id="7" name="灯片编号占位符 6">
             <a:extLst>
               <a:ext uri="{FF2B5EF4-FFF2-40B4-BE49-F238E27FC236}">
-                <a16:creationId xmlns:a16="http://schemas.microsoft.com/office/drawing/2014/main" id="{47314768-98CC-4BEE-0AB2-586C1EA34314}"/>
+                <a16:creationId xmlns:a16="http://schemas.microsoft.com/office/drawing/2014/main" id="{A7661415-CE5E-BC0B-4FF8-C663B323DCBD}"/>
               </a:ext>
             </a:extLst>
           </p:cNvPr>
@@ -2427,7 +2427,7 @@
           <a:bodyPr/>
           <a:lstStyle/>
           <a:p>
-            <a:fld id="{8C32EA43-47C6-4A45-93C4-3DE75BB79ECB}" type="slidenum">
+            <a:fld id="{38C506EB-7728-4984-98FD-E97B2F50A3E3}" type="slidenum">
               <a:rPr lang="zh-CN" altLang="en-US" smtClean="0"/>
               <a:t>‹#›</a:t>
             </a:fld>
@@ -2438,7 +2438,7 @@
     </p:spTree>
     <p:extLst>
       <p:ext uri="{BB962C8B-B14F-4D97-AF65-F5344CB8AC3E}">
-        <p14:creationId xmlns:p14="http://schemas.microsoft.com/office/powerpoint/2010/main" val="3985727779"/>
+        <p14:creationId xmlns:p14="http://schemas.microsoft.com/office/powerpoint/2010/main" val="4199219212"/>
       </p:ext>
     </p:extLst>
   </p:cSld>
@@ -2470,7 +2470,7 @@
           <p:cNvPr id="2" name="标题 1">
             <a:extLst>
               <a:ext uri="{FF2B5EF4-FFF2-40B4-BE49-F238E27FC236}">
-                <a16:creationId xmlns:a16="http://schemas.microsoft.com/office/drawing/2014/main" id="{EEACBB5A-9C07-0940-FE80-E335585F44A3}"/>
+                <a16:creationId xmlns:a16="http://schemas.microsoft.com/office/drawing/2014/main" id="{36EE06C0-F0B4-B665-5271-85DADF8CD496}"/>
               </a:ext>
             </a:extLst>
           </p:cNvPr>
@@ -2507,7 +2507,7 @@
           <p:cNvPr id="3" name="图片占位符 2">
             <a:extLst>
               <a:ext uri="{FF2B5EF4-FFF2-40B4-BE49-F238E27FC236}">
-                <a16:creationId xmlns:a16="http://schemas.microsoft.com/office/drawing/2014/main" id="{4AE987AA-63F5-99CE-8C78-F48C99A70356}"/>
+                <a16:creationId xmlns:a16="http://schemas.microsoft.com/office/drawing/2014/main" id="{F4939E8E-A2FD-A20C-5EEF-3F9B45B9181F}"/>
               </a:ext>
             </a:extLst>
           </p:cNvPr>
@@ -2574,7 +2574,7 @@
           <p:cNvPr id="4" name="文本占位符 3">
             <a:extLst>
               <a:ext uri="{FF2B5EF4-FFF2-40B4-BE49-F238E27FC236}">
-                <a16:creationId xmlns:a16="http://schemas.microsoft.com/office/drawing/2014/main" id="{EA01456D-BA80-D5F5-AC8B-A23F67A44CF4}"/>
+                <a16:creationId xmlns:a16="http://schemas.microsoft.com/office/drawing/2014/main" id="{67E09CCB-C9E1-D4F3-F577-E1AD5DBA79CD}"/>
               </a:ext>
             </a:extLst>
           </p:cNvPr>
@@ -2645,7 +2645,7 @@
           <p:cNvPr id="5" name="日期占位符 4">
             <a:extLst>
               <a:ext uri="{FF2B5EF4-FFF2-40B4-BE49-F238E27FC236}">
-                <a16:creationId xmlns:a16="http://schemas.microsoft.com/office/drawing/2014/main" id="{F4E38518-1B76-A196-451E-760ACD514739}"/>
+                <a16:creationId xmlns:a16="http://schemas.microsoft.com/office/drawing/2014/main" id="{F7923B18-EEEB-86A9-98FE-4069CED0A65E}"/>
               </a:ext>
             </a:extLst>
           </p:cNvPr>
@@ -2661,7 +2661,7 @@
           <a:bodyPr/>
           <a:lstStyle/>
           <a:p>
-            <a:fld id="{4D1C5B8B-0B6C-46F9-8266-893D748FD9F6}" type="datetimeFigureOut">
+            <a:fld id="{CA1E538C-6685-4985-922A-583F9D99064A}" type="datetimeFigureOut">
               <a:rPr lang="zh-CN" altLang="en-US" smtClean="0"/>
               <a:t>2024/3/10</a:t>
             </a:fld>
@@ -2674,7 +2674,7 @@
           <p:cNvPr id="6" name="页脚占位符 5">
             <a:extLst>
               <a:ext uri="{FF2B5EF4-FFF2-40B4-BE49-F238E27FC236}">
-                <a16:creationId xmlns:a16="http://schemas.microsoft.com/office/drawing/2014/main" id="{C24B54AB-6D28-B182-2730-91A674983881}"/>
+                <a16:creationId xmlns:a16="http://schemas.microsoft.com/office/drawing/2014/main" id="{6472EECC-5880-B390-5D38-FA4C277BD47D}"/>
               </a:ext>
             </a:extLst>
           </p:cNvPr>
@@ -2699,7 +2699,7 @@
           <p:cNvPr id="7" name="灯片编号占位符 6">
             <a:extLst>
               <a:ext uri="{FF2B5EF4-FFF2-40B4-BE49-F238E27FC236}">
-                <a16:creationId xmlns:a16="http://schemas.microsoft.com/office/drawing/2014/main" id="{F2674A16-30E2-3DAA-3B7C-2E3548D01853}"/>
+                <a16:creationId xmlns:a16="http://schemas.microsoft.com/office/drawing/2014/main" id="{F3A4E66C-26C2-1CDC-6377-5E704CD3857E}"/>
               </a:ext>
             </a:extLst>
           </p:cNvPr>
@@ -2715,7 +2715,7 @@
           <a:bodyPr/>
           <a:lstStyle/>
           <a:p>
-            <a:fld id="{8C32EA43-47C6-4A45-93C4-3DE75BB79ECB}" type="slidenum">
+            <a:fld id="{38C506EB-7728-4984-98FD-E97B2F50A3E3}" type="slidenum">
               <a:rPr lang="zh-CN" altLang="en-US" smtClean="0"/>
               <a:t>‹#›</a:t>
             </a:fld>
@@ -2726,7 +2726,7 @@
     </p:spTree>
     <p:extLst>
       <p:ext uri="{BB962C8B-B14F-4D97-AF65-F5344CB8AC3E}">
-        <p14:creationId xmlns:p14="http://schemas.microsoft.com/office/powerpoint/2010/main" val="332479513"/>
+        <p14:creationId xmlns:p14="http://schemas.microsoft.com/office/powerpoint/2010/main" val="3264440977"/>
       </p:ext>
     </p:extLst>
   </p:cSld>
@@ -2763,7 +2763,7 @@
           <p:cNvPr id="2" name="标题占位符 1">
             <a:extLst>
               <a:ext uri="{FF2B5EF4-FFF2-40B4-BE49-F238E27FC236}">
-                <a16:creationId xmlns:a16="http://schemas.microsoft.com/office/drawing/2014/main" id="{02C8D22F-2C63-AA01-C499-12B6CA87DC19}"/>
+                <a16:creationId xmlns:a16="http://schemas.microsoft.com/office/drawing/2014/main" id="{DD0258E4-8095-6B2E-AE04-7FA8A59469B5}"/>
               </a:ext>
             </a:extLst>
           </p:cNvPr>
@@ -2801,7 +2801,7 @@
           <p:cNvPr id="3" name="文本占位符 2">
             <a:extLst>
               <a:ext uri="{FF2B5EF4-FFF2-40B4-BE49-F238E27FC236}">
-                <a16:creationId xmlns:a16="http://schemas.microsoft.com/office/drawing/2014/main" id="{589BF8C6-0DEF-2EB6-7D62-95CF0FA1BD88}"/>
+                <a16:creationId xmlns:a16="http://schemas.microsoft.com/office/drawing/2014/main" id="{129FDAC3-43C2-8356-6D9C-77475DF7C995}"/>
               </a:ext>
             </a:extLst>
           </p:cNvPr>
@@ -2868,7 +2868,7 @@
           <p:cNvPr id="4" name="日期占位符 3">
             <a:extLst>
               <a:ext uri="{FF2B5EF4-FFF2-40B4-BE49-F238E27FC236}">
-                <a16:creationId xmlns:a16="http://schemas.microsoft.com/office/drawing/2014/main" id="{1D50A848-F4FA-77EF-E0B4-591CBBBF9DC8}"/>
+                <a16:creationId xmlns:a16="http://schemas.microsoft.com/office/drawing/2014/main" id="{08EF94C2-C6A0-407C-7A1C-802A4412D2F8}"/>
               </a:ext>
             </a:extLst>
           </p:cNvPr>
@@ -2902,7 +2902,7 @@
             </a:lvl1pPr>
           </a:lstStyle>
           <a:p>
-            <a:fld id="{4D1C5B8B-0B6C-46F9-8266-893D748FD9F6}" type="datetimeFigureOut">
+            <a:fld id="{CA1E538C-6685-4985-922A-583F9D99064A}" type="datetimeFigureOut">
               <a:rPr lang="zh-CN" altLang="en-US" smtClean="0"/>
               <a:t>2024/3/10</a:t>
             </a:fld>
@@ -2915,7 +2915,7 @@
           <p:cNvPr id="5" name="页脚占位符 4">
             <a:extLst>
               <a:ext uri="{FF2B5EF4-FFF2-40B4-BE49-F238E27FC236}">
-                <a16:creationId xmlns:a16="http://schemas.microsoft.com/office/drawing/2014/main" id="{73604988-F200-C808-4078-75E3AB7995E9}"/>
+                <a16:creationId xmlns:a16="http://schemas.microsoft.com/office/drawing/2014/main" id="{F02ECC60-0C8B-F063-96F4-FAB20F02344F}"/>
               </a:ext>
             </a:extLst>
           </p:cNvPr>
@@ -2958,7 +2958,7 @@
           <p:cNvPr id="6" name="灯片编号占位符 5">
             <a:extLst>
               <a:ext uri="{FF2B5EF4-FFF2-40B4-BE49-F238E27FC236}">
-                <a16:creationId xmlns:a16="http://schemas.microsoft.com/office/drawing/2014/main" id="{9807E227-BC51-02C9-B3C9-4927BB886675}"/>
+                <a16:creationId xmlns:a16="http://schemas.microsoft.com/office/drawing/2014/main" id="{21B48CD4-1C91-4A74-71B6-8B950540A86C}"/>
               </a:ext>
             </a:extLst>
           </p:cNvPr>
@@ -2992,7 +2992,7 @@
             </a:lvl1pPr>
           </a:lstStyle>
           <a:p>
-            <a:fld id="{8C32EA43-47C6-4A45-93C4-3DE75BB79ECB}" type="slidenum">
+            <a:fld id="{38C506EB-7728-4984-98FD-E97B2F50A3E3}" type="slidenum">
               <a:rPr lang="zh-CN" altLang="en-US" smtClean="0"/>
               <a:t>‹#›</a:t>
             </a:fld>
@@ -3003,7 +3003,7 @@
     </p:spTree>
     <p:extLst>
       <p:ext uri="{BB962C8B-B14F-4D97-AF65-F5344CB8AC3E}">
-        <p14:creationId xmlns:p14="http://schemas.microsoft.com/office/powerpoint/2010/main" val="4130116836"/>
+        <p14:creationId xmlns:p14="http://schemas.microsoft.com/office/powerpoint/2010/main" val="2350090506"/>
       </p:ext>
     </p:extLst>
   </p:cSld>
@@ -3323,7 +3323,7 @@
       </p:grpSpPr>
       <p:pic>
         <p:nvPicPr>
-          <p:cNvPr id="520194" name="Picture 2" descr="507"/>
+          <p:cNvPr id="521218" name="Picture 2" descr="508"/>
           <p:cNvPicPr>
             <a:picLocks noChangeAspect="1" noChangeArrowheads="1"/>
           </p:cNvPicPr>
